--- a/Presentations/4. ASP.NET MVC Core.pptx
+++ b/Presentations/4. ASP.NET MVC Core.pptx
@@ -5,7 +5,7 @@
     <p:sldMasterId id="2147483744" r:id="rId1"/>
   </p:sldMasterIdLst>
   <p:notesMasterIdLst>
-    <p:notesMasterId r:id="rId30"/>
+    <p:notesMasterId r:id="rId32"/>
   </p:notesMasterIdLst>
   <p:sldIdLst>
     <p:sldId id="256" r:id="rId2"/>
@@ -36,6 +36,8 @@
     <p:sldId id="285" r:id="rId27"/>
     <p:sldId id="286" r:id="rId28"/>
     <p:sldId id="287" r:id="rId29"/>
+    <p:sldId id="288" r:id="rId30"/>
+    <p:sldId id="289" r:id="rId31"/>
   </p:sldIdLst>
   <p:sldSz cx="12192000" cy="6858000"/>
   <p:notesSz cx="6858000" cy="9144000"/>
@@ -9294,7 +9296,7 @@
               <a:t>potencia</a:t>
             </a:r>
             <a:r>
-              <a:rPr lang="en-US"/>
+              <a:rPr lang="en-US" dirty="0"/>
               <a:t> del BCL de .NET</a:t>
             </a:r>
             <a:endParaRPr lang="es-CO" dirty="0"/>
@@ -10455,10 +10457,158 @@
           </a:p>
         </p:txBody>
       </p:sp>
+      <p:pic>
+        <p:nvPicPr>
+          <p:cNvPr id="4" name="Imagen 3">
+            <a:extLst>
+              <a:ext uri="{FF2B5EF4-FFF2-40B4-BE49-F238E27FC236}">
+                <a16:creationId xmlns:a16="http://schemas.microsoft.com/office/drawing/2014/main" id="{BB63E7C5-6410-44C4-82C0-DBC6AA5AF169}"/>
+              </a:ext>
+            </a:extLst>
+          </p:cNvPr>
+          <p:cNvPicPr>
+            <a:picLocks noChangeAspect="1"/>
+          </p:cNvPicPr>
+          <p:nvPr/>
+        </p:nvPicPr>
+        <p:blipFill>
+          <a:blip r:embed="rId2"/>
+          <a:stretch>
+            <a:fillRect/>
+          </a:stretch>
+        </p:blipFill>
+        <p:spPr>
+          <a:xfrm>
+            <a:off x="6200502" y="1833862"/>
+            <a:ext cx="5454111" cy="4675795"/>
+          </a:xfrm>
+          <a:prstGeom prst="rect">
+            <a:avLst/>
+          </a:prstGeom>
+        </p:spPr>
+      </p:pic>
     </p:spTree>
     <p:extLst>
       <p:ext uri="{BB962C8B-B14F-4D97-AF65-F5344CB8AC3E}">
         <p14:creationId xmlns:p14="http://schemas.microsoft.com/office/powerpoint/2010/main" val="2617409053"/>
+      </p:ext>
+    </p:extLst>
+  </p:cSld>
+  <p:clrMapOvr>
+    <a:masterClrMapping/>
+  </p:clrMapOvr>
+</p:sld>
+</file>
+
+<file path=ppt/slides/slide29.xml><?xml version="1.0" encoding="utf-8"?>
+<p:sld xmlns:a="http://schemas.openxmlformats.org/drawingml/2006/main" xmlns:r="http://schemas.openxmlformats.org/officeDocument/2006/relationships" xmlns:p="http://schemas.openxmlformats.org/presentationml/2006/main">
+  <p:cSld>
+    <p:spTree>
+      <p:nvGrpSpPr>
+        <p:cNvPr id="1" name=""/>
+        <p:cNvGrpSpPr/>
+        <p:nvPr/>
+      </p:nvGrpSpPr>
+      <p:grpSpPr>
+        <a:xfrm>
+          <a:off x="0" y="0"/>
+          <a:ext cx="0" cy="0"/>
+          <a:chOff x="0" y="0"/>
+          <a:chExt cx="0" cy="0"/>
+        </a:xfrm>
+      </p:grpSpPr>
+      <p:sp>
+        <p:nvSpPr>
+          <p:cNvPr id="2" name="Título 1">
+            <a:extLst>
+              <a:ext uri="{FF2B5EF4-FFF2-40B4-BE49-F238E27FC236}">
+                <a16:creationId xmlns:a16="http://schemas.microsoft.com/office/drawing/2014/main" id="{73BB1B1B-95BD-45E3-AD6A-1F4949BA403C}"/>
+              </a:ext>
+            </a:extLst>
+          </p:cNvPr>
+          <p:cNvSpPr>
+            <a:spLocks noGrp="1"/>
+          </p:cNvSpPr>
+          <p:nvPr>
+            <p:ph type="title"/>
+          </p:nvPr>
+        </p:nvSpPr>
+        <p:spPr/>
+        <p:txBody>
+          <a:bodyPr/>
+          <a:lstStyle/>
+          <a:p>
+            <a:r>
+              <a:rPr lang="es-CO" dirty="0"/>
+              <a:t>Configurar el Servicio del </a:t>
+            </a:r>
+            <a:r>
+              <a:rPr lang="es-CO" dirty="0" err="1"/>
+              <a:t>DbContext</a:t>
+            </a:r>
+            <a:endParaRPr lang="es-CO" dirty="0"/>
+          </a:p>
+        </p:txBody>
+      </p:sp>
+      <p:sp>
+        <p:nvSpPr>
+          <p:cNvPr id="3" name="Marcador de contenido 2">
+            <a:extLst>
+              <a:ext uri="{FF2B5EF4-FFF2-40B4-BE49-F238E27FC236}">
+                <a16:creationId xmlns:a16="http://schemas.microsoft.com/office/drawing/2014/main" id="{05AE55C8-2EA8-4880-9C85-2CA839C519B9}"/>
+              </a:ext>
+            </a:extLst>
+          </p:cNvPr>
+          <p:cNvSpPr>
+            <a:spLocks noGrp="1"/>
+          </p:cNvSpPr>
+          <p:nvPr>
+            <p:ph idx="1"/>
+          </p:nvPr>
+        </p:nvSpPr>
+        <p:spPr/>
+        <p:txBody>
+          <a:bodyPr/>
+          <a:lstStyle/>
+          <a:p>
+            <a:endParaRPr lang="es-CO"/>
+          </a:p>
+        </p:txBody>
+      </p:sp>
+      <p:pic>
+        <p:nvPicPr>
+          <p:cNvPr id="4" name="Imagen 3">
+            <a:extLst>
+              <a:ext uri="{FF2B5EF4-FFF2-40B4-BE49-F238E27FC236}">
+                <a16:creationId xmlns:a16="http://schemas.microsoft.com/office/drawing/2014/main" id="{25A89A79-83CF-4470-9A0B-796B8A302A1A}"/>
+              </a:ext>
+            </a:extLst>
+          </p:cNvPr>
+          <p:cNvPicPr>
+            <a:picLocks noChangeAspect="1"/>
+          </p:cNvPicPr>
+          <p:nvPr/>
+        </p:nvPicPr>
+        <p:blipFill>
+          <a:blip r:embed="rId2"/>
+          <a:stretch>
+            <a:fillRect/>
+          </a:stretch>
+        </p:blipFill>
+        <p:spPr>
+          <a:xfrm>
+            <a:off x="1919287" y="3000375"/>
+            <a:ext cx="8353425" cy="857250"/>
+          </a:xfrm>
+          <a:prstGeom prst="rect">
+            <a:avLst/>
+          </a:prstGeom>
+        </p:spPr>
+      </p:pic>
+    </p:spTree>
+    <p:extLst>
+      <p:ext uri="{BB962C8B-B14F-4D97-AF65-F5344CB8AC3E}">
+        <p14:creationId xmlns:p14="http://schemas.microsoft.com/office/powerpoint/2010/main" val="2052686671"/>
       </p:ext>
     </p:extLst>
   </p:cSld>
@@ -10547,6 +10697,119 @@
     <p:extLst>
       <p:ext uri="{BB962C8B-B14F-4D97-AF65-F5344CB8AC3E}">
         <p14:creationId xmlns:p14="http://schemas.microsoft.com/office/powerpoint/2010/main" val="3780731957"/>
+      </p:ext>
+    </p:extLst>
+  </p:cSld>
+  <p:clrMapOvr>
+    <a:masterClrMapping/>
+  </p:clrMapOvr>
+</p:sld>
+</file>
+
+<file path=ppt/slides/slide30.xml><?xml version="1.0" encoding="utf-8"?>
+<p:sld xmlns:a="http://schemas.openxmlformats.org/drawingml/2006/main" xmlns:r="http://schemas.openxmlformats.org/officeDocument/2006/relationships" xmlns:p="http://schemas.openxmlformats.org/presentationml/2006/main">
+  <p:cSld>
+    <p:spTree>
+      <p:nvGrpSpPr>
+        <p:cNvPr id="1" name=""/>
+        <p:cNvGrpSpPr/>
+        <p:nvPr/>
+      </p:nvGrpSpPr>
+      <p:grpSpPr>
+        <a:xfrm>
+          <a:off x="0" y="0"/>
+          <a:ext cx="0" cy="0"/>
+          <a:chOff x="0" y="0"/>
+          <a:chExt cx="0" cy="0"/>
+        </a:xfrm>
+      </p:grpSpPr>
+      <p:sp>
+        <p:nvSpPr>
+          <p:cNvPr id="2" name="Título 1">
+            <a:extLst>
+              <a:ext uri="{FF2B5EF4-FFF2-40B4-BE49-F238E27FC236}">
+                <a16:creationId xmlns:a16="http://schemas.microsoft.com/office/drawing/2014/main" id="{A1114CCA-4DE8-49FA-B8B0-1381BA2C4713}"/>
+              </a:ext>
+            </a:extLst>
+          </p:cNvPr>
+          <p:cNvSpPr>
+            <a:spLocks noGrp="1"/>
+          </p:cNvSpPr>
+          <p:nvPr>
+            <p:ph type="title"/>
+          </p:nvPr>
+        </p:nvSpPr>
+        <p:spPr/>
+        <p:txBody>
+          <a:bodyPr/>
+          <a:lstStyle/>
+          <a:p>
+            <a:r>
+              <a:rPr lang="es-CO" dirty="0"/>
+              <a:t>Configuración del Controlador</a:t>
+            </a:r>
+          </a:p>
+        </p:txBody>
+      </p:sp>
+      <p:sp>
+        <p:nvSpPr>
+          <p:cNvPr id="3" name="Marcador de contenido 2">
+            <a:extLst>
+              <a:ext uri="{FF2B5EF4-FFF2-40B4-BE49-F238E27FC236}">
+                <a16:creationId xmlns:a16="http://schemas.microsoft.com/office/drawing/2014/main" id="{C95F159F-A979-41EE-A2EF-97EE0985E8E6}"/>
+              </a:ext>
+            </a:extLst>
+          </p:cNvPr>
+          <p:cNvSpPr>
+            <a:spLocks noGrp="1"/>
+          </p:cNvSpPr>
+          <p:nvPr>
+            <p:ph idx="1"/>
+          </p:nvPr>
+        </p:nvSpPr>
+        <p:spPr/>
+        <p:txBody>
+          <a:bodyPr/>
+          <a:lstStyle/>
+          <a:p>
+            <a:endParaRPr lang="es-CO" dirty="0"/>
+          </a:p>
+        </p:txBody>
+      </p:sp>
+      <p:pic>
+        <p:nvPicPr>
+          <p:cNvPr id="5" name="Imagen 4">
+            <a:extLst>
+              <a:ext uri="{FF2B5EF4-FFF2-40B4-BE49-F238E27FC236}">
+                <a16:creationId xmlns:a16="http://schemas.microsoft.com/office/drawing/2014/main" id="{A69A96E2-D696-462C-B717-A39164410AE6}"/>
+              </a:ext>
+            </a:extLst>
+          </p:cNvPr>
+          <p:cNvPicPr>
+            <a:picLocks noChangeAspect="1"/>
+          </p:cNvPicPr>
+          <p:nvPr/>
+        </p:nvPicPr>
+        <p:blipFill>
+          <a:blip r:embed="rId2"/>
+          <a:stretch>
+            <a:fillRect/>
+          </a:stretch>
+        </p:blipFill>
+        <p:spPr>
+          <a:xfrm>
+            <a:off x="6067534" y="1898469"/>
+            <a:ext cx="5997429" cy="4892448"/>
+          </a:xfrm>
+          <a:prstGeom prst="rect">
+            <a:avLst/>
+          </a:prstGeom>
+        </p:spPr>
+      </p:pic>
+    </p:spTree>
+    <p:extLst>
+      <p:ext uri="{BB962C8B-B14F-4D97-AF65-F5344CB8AC3E}">
+        <p14:creationId xmlns:p14="http://schemas.microsoft.com/office/powerpoint/2010/main" val="2912976384"/>
       </p:ext>
     </p:extLst>
   </p:cSld>
